--- a/emailer/improving-predictability-using-kanban/predictability-with-kanban.pptx
+++ b/emailer/improving-predictability-using-kanban/predictability-with-kanban.pptx
@@ -2029,6 +2029,13 @@
   <p:clrMapOvr>
     <a:overrideClrMapping bg1="dk1" tx1="lt1" bg2="dk2" tx2="lt2" accent1="accent1" accent2="accent2" accent3="accent3" accent4="accent4" accent5="accent5" accent6="accent6" hlink="hlink" folHlink="folHlink"/>
   </p:clrMapOvr>
+  <p:timing>
+    <p:tnLst>
+      <p:par>
+        <p:cTn id="1" dur="indefinite" restart="never" nodeType="tmRoot"/>
+      </p:par>
+    </p:tnLst>
+  </p:timing>
 </p:sldLayout>
 </file>
 
@@ -2729,6 +2736,13 @@
   <p:clrMapOvr>
     <a:masterClrMapping/>
   </p:clrMapOvr>
+  <p:timing>
+    <p:tnLst>
+      <p:par>
+        <p:cTn id="1" dur="indefinite" restart="never" nodeType="tmRoot"/>
+      </p:par>
+    </p:tnLst>
+  </p:timing>
 </p:sldLayout>
 </file>
 
@@ -4725,38 +4739,38 @@
           <a:p>
             <a:pPr lvl="0" eaLnBrk="1" latinLnBrk="0" hangingPunct="1"/>
             <a:r>
-              <a:rPr kumimoji="0" lang="en-US" smtClean="0"/>
+              <a:rPr kumimoji="0" lang="en-US" dirty="0" smtClean="0"/>
               <a:t>Click to edit Master text styles</a:t>
             </a:r>
           </a:p>
           <a:p>
             <a:pPr lvl="1" eaLnBrk="1" latinLnBrk="0" hangingPunct="1"/>
             <a:r>
-              <a:rPr kumimoji="0" lang="en-US" smtClean="0"/>
+              <a:rPr kumimoji="0" lang="en-US" dirty="0" smtClean="0"/>
               <a:t>Second level</a:t>
             </a:r>
           </a:p>
           <a:p>
             <a:pPr lvl="2" eaLnBrk="1" latinLnBrk="0" hangingPunct="1"/>
             <a:r>
-              <a:rPr kumimoji="0" lang="en-US" smtClean="0"/>
+              <a:rPr kumimoji="0" lang="en-US" dirty="0" smtClean="0"/>
               <a:t>Third level</a:t>
             </a:r>
           </a:p>
           <a:p>
             <a:pPr lvl="3" eaLnBrk="1" latinLnBrk="0" hangingPunct="1"/>
             <a:r>
-              <a:rPr kumimoji="0" lang="en-US" smtClean="0"/>
+              <a:rPr kumimoji="0" lang="en-US" dirty="0" smtClean="0"/>
               <a:t>Fourth level</a:t>
             </a:r>
           </a:p>
           <a:p>
             <a:pPr lvl="4" eaLnBrk="1" latinLnBrk="0" hangingPunct="1"/>
             <a:r>
-              <a:rPr kumimoji="0" lang="en-US" smtClean="0"/>
+              <a:rPr kumimoji="0" lang="en-US" dirty="0" smtClean="0"/>
               <a:t>Fifth level</a:t>
             </a:r>
-            <a:endParaRPr kumimoji="0" lang="en-US"/>
+            <a:endParaRPr kumimoji="0" lang="en-US" dirty="0"/>
           </a:p>
         </p:txBody>
       </p:sp>
@@ -5030,7 +5044,7 @@
       </p:sp>
       <p:pic>
         <p:nvPicPr>
-          <p:cNvPr id="2" name="Picture 1"/>
+          <p:cNvPr id="4" name="Picture 3"/>
           <p:cNvPicPr>
             <a:picLocks noChangeAspect="1"/>
           </p:cNvPicPr>
@@ -5050,8 +5064,8 @@
         </p:blipFill>
         <p:spPr>
           <a:xfrm rot="16200000">
-            <a:off x="-333096" y="445332"/>
-            <a:ext cx="1187624" cy="434531"/>
+            <a:off x="-272367" y="476514"/>
+            <a:ext cx="1101884" cy="373344"/>
           </a:xfrm>
           <a:prstGeom prst="rect">
             <a:avLst/>
@@ -5977,7 +5991,7 @@
       </p:sp>
       <p:pic>
         <p:nvPicPr>
-          <p:cNvPr id="6" name="Picture 5"/>
+          <p:cNvPr id="7" name="Picture 6"/>
           <p:cNvPicPr>
             <a:picLocks noChangeAspect="1"/>
           </p:cNvPicPr>
@@ -5997,8 +6011,8 @@
         </p:blipFill>
         <p:spPr>
           <a:xfrm>
-            <a:off x="181620" y="4666466"/>
-            <a:ext cx="1875780" cy="794785"/>
+            <a:off x="257200" y="4564721"/>
+            <a:ext cx="1835696" cy="776558"/>
           </a:xfrm>
           <a:prstGeom prst="rect">
             <a:avLst/>
